--- a/2023/2023-03/2023-03-28/problem.pptx
+++ b/2023/2023-03/2023-03-28/problem.pptx
@@ -5,10 +5,7 @@
     <p:sldMasterId id="2147483732" r:id="rId1"/>
   </p:sldMasterIdLst>
   <p:sldIdLst>
-    <p:sldId id="256" r:id="rId2"/>
-    <p:sldId id="258" r:id="rId3"/>
-    <p:sldId id="259" r:id="rId4"/>
-    <p:sldId id="266" r:id="rId5"/>
+    <p:sldId id="259" r:id="rId2"/>
   </p:sldIdLst>
   <p:sldSz cx="12192000" cy="6858000"/>
   <p:notesSz cx="6858000" cy="9144000"/>
@@ -446,7 +443,7 @@
           <a:p>
             <a:fld id="{13CAB402-B863-4AA4-B7CA-C5BADD25EDE0}" type="datetimeFigureOut">
               <a:rPr lang="en-US" smtClean="0"/>
-              <a:t>3/28/2023</a:t>
+              <a:t>3/30/2023</a:t>
             </a:fld>
             <a:endParaRPr lang="en-US"/>
           </a:p>
@@ -770,7 +767,7 @@
           <a:p>
             <a:fld id="{13CAB402-B863-4AA4-B7CA-C5BADD25EDE0}" type="datetimeFigureOut">
               <a:rPr lang="en-US" smtClean="0"/>
-              <a:t>3/28/2023</a:t>
+              <a:t>3/30/2023</a:t>
             </a:fld>
             <a:endParaRPr lang="en-US"/>
           </a:p>
@@ -1018,7 +1015,7 @@
           <a:p>
             <a:fld id="{13CAB402-B863-4AA4-B7CA-C5BADD25EDE0}" type="datetimeFigureOut">
               <a:rPr lang="en-US" smtClean="0"/>
-              <a:t>3/28/2023</a:t>
+              <a:t>3/30/2023</a:t>
             </a:fld>
             <a:endParaRPr lang="en-US"/>
           </a:p>
@@ -1357,7 +1354,7 @@
           <a:p>
             <a:fld id="{13CAB402-B863-4AA4-B7CA-C5BADD25EDE0}" type="datetimeFigureOut">
               <a:rPr lang="en-US" smtClean="0"/>
-              <a:t>3/28/2023</a:t>
+              <a:t>3/30/2023</a:t>
             </a:fld>
             <a:endParaRPr lang="en-US"/>
           </a:p>
@@ -1704,7 +1701,7 @@
           <a:p>
             <a:fld id="{13CAB402-B863-4AA4-B7CA-C5BADD25EDE0}" type="datetimeFigureOut">
               <a:rPr lang="en-US" smtClean="0"/>
-              <a:t>3/28/2023</a:t>
+              <a:t>3/30/2023</a:t>
             </a:fld>
             <a:endParaRPr lang="en-US"/>
           </a:p>
@@ -2078,7 +2075,7 @@
           <a:p>
             <a:fld id="{13CAB402-B863-4AA4-B7CA-C5BADD25EDE0}" type="datetimeFigureOut">
               <a:rPr lang="en-US" smtClean="0"/>
-              <a:t>3/28/2023</a:t>
+              <a:t>3/30/2023</a:t>
             </a:fld>
             <a:endParaRPr lang="en-US"/>
           </a:p>
@@ -2548,7 +2545,7 @@
           <a:p>
             <a:fld id="{13CAB402-B863-4AA4-B7CA-C5BADD25EDE0}" type="datetimeFigureOut">
               <a:rPr lang="en-US" smtClean="0"/>
-              <a:t>3/28/2023</a:t>
+              <a:t>3/30/2023</a:t>
             </a:fld>
             <a:endParaRPr lang="en-US"/>
           </a:p>
@@ -2753,7 +2750,7 @@
           <a:p>
             <a:fld id="{13CAB402-B863-4AA4-B7CA-C5BADD25EDE0}" type="datetimeFigureOut">
               <a:rPr lang="en-US" smtClean="0"/>
-              <a:t>3/28/2023</a:t>
+              <a:t>3/30/2023</a:t>
             </a:fld>
             <a:endParaRPr lang="en-US"/>
           </a:p>
@@ -2964,7 +2961,7 @@
           <a:p>
             <a:fld id="{13CAB402-B863-4AA4-B7CA-C5BADD25EDE0}" type="datetimeFigureOut">
               <a:rPr lang="en-US" smtClean="0"/>
-              <a:t>3/28/2023</a:t>
+              <a:t>3/30/2023</a:t>
             </a:fld>
             <a:endParaRPr lang="en-US"/>
           </a:p>
@@ -3196,7 +3193,7 @@
           <a:p>
             <a:fld id="{13CAB402-B863-4AA4-B7CA-C5BADD25EDE0}" type="datetimeFigureOut">
               <a:rPr lang="en-US" smtClean="0"/>
-              <a:t>3/28/2023</a:t>
+              <a:t>3/30/2023</a:t>
             </a:fld>
             <a:endParaRPr lang="en-US"/>
           </a:p>
@@ -3444,7 +3441,7 @@
           <a:p>
             <a:fld id="{13CAB402-B863-4AA4-B7CA-C5BADD25EDE0}" type="datetimeFigureOut">
               <a:rPr lang="en-US" smtClean="0"/>
-              <a:t>3/28/2023</a:t>
+              <a:t>3/30/2023</a:t>
             </a:fld>
             <a:endParaRPr lang="en-US"/>
           </a:p>
@@ -3742,7 +3739,7 @@
           <a:p>
             <a:fld id="{13CAB402-B863-4AA4-B7CA-C5BADD25EDE0}" type="datetimeFigureOut">
               <a:rPr lang="en-US" smtClean="0"/>
-              <a:t>3/28/2023</a:t>
+              <a:t>3/30/2023</a:t>
             </a:fld>
             <a:endParaRPr lang="en-US"/>
           </a:p>
@@ -4136,7 +4133,7 @@
           <a:p>
             <a:fld id="{13CAB402-B863-4AA4-B7CA-C5BADD25EDE0}" type="datetimeFigureOut">
               <a:rPr lang="en-US" smtClean="0"/>
-              <a:t>3/28/2023</a:t>
+              <a:t>3/30/2023</a:t>
             </a:fld>
             <a:endParaRPr lang="en-US"/>
           </a:p>
@@ -4285,7 +4282,7 @@
           <a:p>
             <a:fld id="{13CAB402-B863-4AA4-B7CA-C5BADD25EDE0}" type="datetimeFigureOut">
               <a:rPr lang="en-US" smtClean="0"/>
-              <a:t>3/28/2023</a:t>
+              <a:t>3/30/2023</a:t>
             </a:fld>
             <a:endParaRPr lang="en-US"/>
           </a:p>
@@ -4411,7 +4408,7 @@
           <a:p>
             <a:fld id="{13CAB402-B863-4AA4-B7CA-C5BADD25EDE0}" type="datetimeFigureOut">
               <a:rPr lang="en-US" smtClean="0"/>
-              <a:t>3/28/2023</a:t>
+              <a:t>3/30/2023</a:t>
             </a:fld>
             <a:endParaRPr lang="en-US"/>
           </a:p>
@@ -4666,7 +4663,7 @@
           <a:p>
             <a:fld id="{13CAB402-B863-4AA4-B7CA-C5BADD25EDE0}" type="datetimeFigureOut">
               <a:rPr lang="en-US" smtClean="0"/>
-              <a:t>3/28/2023</a:t>
+              <a:t>3/30/2023</a:t>
             </a:fld>
             <a:endParaRPr lang="en-US"/>
           </a:p>
@@ -4981,7 +4978,7 @@
           <a:p>
             <a:fld id="{13CAB402-B863-4AA4-B7CA-C5BADD25EDE0}" type="datetimeFigureOut">
               <a:rPr lang="en-US" smtClean="0"/>
-              <a:t>3/28/2023</a:t>
+              <a:t>3/30/2023</a:t>
             </a:fld>
             <a:endParaRPr lang="en-US"/>
           </a:p>
@@ -5332,7 +5329,7 @@
           <a:p>
             <a:fld id="{13CAB402-B863-4AA4-B7CA-C5BADD25EDE0}" type="datetimeFigureOut">
               <a:rPr lang="en-US" smtClean="0"/>
-              <a:t>3/28/2023</a:t>
+              <a:t>3/30/2023</a:t>
             </a:fld>
             <a:endParaRPr lang="en-US"/>
           </a:p>
@@ -5880,7 +5877,7 @@
           <p:cNvPr id="2" name="Title 1">
             <a:extLst>
               <a:ext uri="{FF2B5EF4-FFF2-40B4-BE49-F238E27FC236}">
-                <a16:creationId xmlns:a16="http://schemas.microsoft.com/office/drawing/2014/main" id="{CA317722-9261-B16F-DF2C-8CF6D23E8851}"/>
+                <a16:creationId xmlns:a16="http://schemas.microsoft.com/office/drawing/2014/main" id="{4BE360F2-A79A-4696-DFA8-9D0C4B9861EF}"/>
               </a:ext>
             </a:extLst>
           </p:cNvPr>
@@ -5888,7 +5885,7 @@
             <a:spLocks noGrp="1"/>
           </p:cNvSpPr>
           <p:nvPr>
-            <p:ph type="ctrTitle"/>
+            <p:ph type="title"/>
           </p:nvPr>
         </p:nvSpPr>
         <p:spPr/>
@@ -5905,10 +5902,10 @@
       </p:sp>
       <p:sp>
         <p:nvSpPr>
-          <p:cNvPr id="3" name="Subtitle 2">
+          <p:cNvPr id="3" name="Content Placeholder 2">
             <a:extLst>
               <a:ext uri="{FF2B5EF4-FFF2-40B4-BE49-F238E27FC236}">
-                <a16:creationId xmlns:a16="http://schemas.microsoft.com/office/drawing/2014/main" id="{043C9A1C-775D-C72F-DB2C-E4FD1E85D80F}"/>
+                <a16:creationId xmlns:a16="http://schemas.microsoft.com/office/drawing/2014/main" id="{C0458499-48DC-C865-4A57-F69D0C15D40B}"/>
               </a:ext>
             </a:extLst>
           </p:cNvPr>
@@ -5916,7 +5913,7 @@
             <a:spLocks noGrp="1"/>
           </p:cNvSpPr>
           <p:nvPr>
-            <p:ph type="subTitle" idx="1"/>
+            <p:ph idx="1"/>
           </p:nvPr>
         </p:nvSpPr>
         <p:spPr/>
@@ -5924,83 +5921,24 @@
           <a:bodyPr/>
           <a:lstStyle/>
           <a:p>
-            <a:endParaRPr lang="en-US" dirty="0"/>
-          </a:p>
-        </p:txBody>
-      </p:sp>
-    </p:spTree>
-    <p:extLst>
-      <p:ext uri="{BB962C8B-B14F-4D97-AF65-F5344CB8AC3E}">
-        <p14:creationId xmlns:p14="http://schemas.microsoft.com/office/powerpoint/2010/main" val="19180934"/>
-      </p:ext>
-    </p:extLst>
-  </p:cSld>
-  <p:clrMapOvr>
-    <a:masterClrMapping/>
-  </p:clrMapOvr>
-</p:sld>
-</file>
-
-<file path=ppt/slides/slide2.xml><?xml version="1.0" encoding="utf-8"?>
-<p:sld xmlns:a="http://schemas.openxmlformats.org/drawingml/2006/main" xmlns:r="http://schemas.openxmlformats.org/officeDocument/2006/relationships" xmlns:p="http://schemas.openxmlformats.org/presentationml/2006/main">
-  <p:cSld>
-    <p:spTree>
-      <p:nvGrpSpPr>
-        <p:cNvPr id="1" name=""/>
-        <p:cNvGrpSpPr/>
-        <p:nvPr/>
-      </p:nvGrpSpPr>
-      <p:grpSpPr>
-        <a:xfrm>
-          <a:off x="0" y="0"/>
-          <a:ext cx="0" cy="0"/>
-          <a:chOff x="0" y="0"/>
-          <a:chExt cx="0" cy="0"/>
-        </a:xfrm>
-      </p:grpSpPr>
-      <p:sp>
-        <p:nvSpPr>
-          <p:cNvPr id="2" name="Title 1">
-            <a:extLst>
-              <a:ext uri="{FF2B5EF4-FFF2-40B4-BE49-F238E27FC236}">
-                <a16:creationId xmlns:a16="http://schemas.microsoft.com/office/drawing/2014/main" id="{B901A517-98D6-700B-03D7-654147AFC7D7}"/>
-              </a:ext>
-            </a:extLst>
-          </p:cNvPr>
-          <p:cNvSpPr>
-            <a:spLocks noGrp="1"/>
-          </p:cNvSpPr>
-          <p:nvPr>
-            <p:ph type="title"/>
-          </p:nvPr>
-        </p:nvSpPr>
-        <p:spPr>
-          <a:xfrm>
-            <a:off x="1355787" y="2638404"/>
-            <a:ext cx="9601196" cy="1303867"/>
-          </a:xfrm>
-        </p:spPr>
-        <p:txBody>
-          <a:bodyPr>
-            <a:normAutofit fontScale="90000"/>
-          </a:bodyPr>
-          <a:lstStyle/>
-          <a:p>
-            <a:pPr algn="l"/>
             <a:r>
               <a:rPr lang="en-US" dirty="0"/>
-              <a:t>The price of rabbit is $1 each.  The price of chicken is $2 each.</a:t>
-            </a:r>
-            <a:br>
+              <a:t>The price of rabbit is $1 each.</a:t>
+            </a:r>
+          </a:p>
+          <a:p>
+            <a:r>
               <a:rPr lang="en-US" dirty="0"/>
-            </a:br>
+              <a:t>The price of chicken is $2 each.</a:t>
+            </a:r>
+          </a:p>
+          <a:p>
             <a:r>
               <a:rPr lang="en-US" dirty="0"/>
               <a:t>Farmer John spent $87 to buy total 55 rabbits and chicken.</a:t>
             </a:r>
-            <a:br>
-              <a:rPr lang="en-US" dirty="0"/>
-            </a:br>
+          </a:p>
+          <a:p>
             <a:r>
               <a:rPr lang="en-US" dirty="0"/>
               <a:t>How many rabbits and how many chicken did Farmer John buy?</a:t>
@@ -6015,158 +5953,7 @@
     </p:spTree>
     <p:extLst>
       <p:ext uri="{BB962C8B-B14F-4D97-AF65-F5344CB8AC3E}">
-        <p14:creationId xmlns:p14="http://schemas.microsoft.com/office/powerpoint/2010/main" val="356587805"/>
-      </p:ext>
-    </p:extLst>
-  </p:cSld>
-  <p:clrMapOvr>
-    <a:masterClrMapping/>
-  </p:clrMapOvr>
-</p:sld>
-</file>
-
-<file path=ppt/slides/slide3.xml><?xml version="1.0" encoding="utf-8"?>
-<p:sld xmlns:a="http://schemas.openxmlformats.org/drawingml/2006/main" xmlns:r="http://schemas.openxmlformats.org/officeDocument/2006/relationships" xmlns:p="http://schemas.openxmlformats.org/presentationml/2006/main">
-  <p:cSld>
-    <p:spTree>
-      <p:nvGrpSpPr>
-        <p:cNvPr id="1" name=""/>
-        <p:cNvGrpSpPr/>
-        <p:nvPr/>
-      </p:nvGrpSpPr>
-      <p:grpSpPr>
-        <a:xfrm>
-          <a:off x="0" y="0"/>
-          <a:ext cx="0" cy="0"/>
-          <a:chOff x="0" y="0"/>
-          <a:chExt cx="0" cy="0"/>
-        </a:xfrm>
-      </p:grpSpPr>
-      <p:sp>
-        <p:nvSpPr>
-          <p:cNvPr id="2" name="Title 1">
-            <a:extLst>
-              <a:ext uri="{FF2B5EF4-FFF2-40B4-BE49-F238E27FC236}">
-                <a16:creationId xmlns:a16="http://schemas.microsoft.com/office/drawing/2014/main" id="{CA317722-9261-B16F-DF2C-8CF6D23E8851}"/>
-              </a:ext>
-            </a:extLst>
-          </p:cNvPr>
-          <p:cNvSpPr>
-            <a:spLocks noGrp="1"/>
-          </p:cNvSpPr>
-          <p:nvPr>
-            <p:ph type="ctrTitle"/>
-          </p:nvPr>
-        </p:nvSpPr>
-        <p:spPr/>
-        <p:txBody>
-          <a:bodyPr/>
-          <a:lstStyle/>
-          <a:p>
-            <a:r>
-              <a:rPr lang="en-US" dirty="0"/>
-              <a:t>Solution</a:t>
-            </a:r>
-          </a:p>
-        </p:txBody>
-      </p:sp>
-      <p:sp>
-        <p:nvSpPr>
-          <p:cNvPr id="3" name="Subtitle 2">
-            <a:extLst>
-              <a:ext uri="{FF2B5EF4-FFF2-40B4-BE49-F238E27FC236}">
-                <a16:creationId xmlns:a16="http://schemas.microsoft.com/office/drawing/2014/main" id="{043C9A1C-775D-C72F-DB2C-E4FD1E85D80F}"/>
-              </a:ext>
-            </a:extLst>
-          </p:cNvPr>
-          <p:cNvSpPr>
-            <a:spLocks noGrp="1"/>
-          </p:cNvSpPr>
-          <p:nvPr>
-            <p:ph type="subTitle" idx="1"/>
-          </p:nvPr>
-        </p:nvSpPr>
-        <p:spPr/>
-        <p:txBody>
-          <a:bodyPr/>
-          <a:lstStyle/>
-          <a:p>
-            <a:endParaRPr lang="en-US" dirty="0"/>
-          </a:p>
-        </p:txBody>
-      </p:sp>
-    </p:spTree>
-    <p:extLst>
-      <p:ext uri="{BB962C8B-B14F-4D97-AF65-F5344CB8AC3E}">
-        <p14:creationId xmlns:p14="http://schemas.microsoft.com/office/powerpoint/2010/main" val="3901014800"/>
-      </p:ext>
-    </p:extLst>
-  </p:cSld>
-  <p:clrMapOvr>
-    <a:masterClrMapping/>
-  </p:clrMapOvr>
-</p:sld>
-</file>
-
-<file path=ppt/slides/slide4.xml><?xml version="1.0" encoding="utf-8"?>
-<p:sld xmlns:a="http://schemas.openxmlformats.org/drawingml/2006/main" xmlns:r="http://schemas.openxmlformats.org/officeDocument/2006/relationships" xmlns:p="http://schemas.openxmlformats.org/presentationml/2006/main">
-  <p:cSld>
-    <p:spTree>
-      <p:nvGrpSpPr>
-        <p:cNvPr id="1" name=""/>
-        <p:cNvGrpSpPr/>
-        <p:nvPr/>
-      </p:nvGrpSpPr>
-      <p:grpSpPr>
-        <a:xfrm>
-          <a:off x="0" y="0"/>
-          <a:ext cx="0" cy="0"/>
-          <a:chOff x="0" y="0"/>
-          <a:chExt cx="0" cy="0"/>
-        </a:xfrm>
-      </p:grpSpPr>
-      <p:sp>
-        <p:nvSpPr>
-          <p:cNvPr id="3" name="Content Placeholder 2">
-            <a:extLst>
-              <a:ext uri="{FF2B5EF4-FFF2-40B4-BE49-F238E27FC236}">
-                <a16:creationId xmlns:a16="http://schemas.microsoft.com/office/drawing/2014/main" id="{96CDCBB5-F920-439D-300B-0E92937B8E3D}"/>
-              </a:ext>
-            </a:extLst>
-          </p:cNvPr>
-          <p:cNvSpPr>
-            <a:spLocks noGrp="1"/>
-          </p:cNvSpPr>
-          <p:nvPr>
-            <p:ph idx="1"/>
-          </p:nvPr>
-        </p:nvSpPr>
-        <p:spPr>
-          <a:xfrm>
-            <a:off x="1295401" y="1136073"/>
-            <a:ext cx="9601196" cy="4739795"/>
-          </a:xfrm>
-        </p:spPr>
-        <p:txBody>
-          <a:bodyPr/>
-          <a:lstStyle/>
-          <a:p>
-            <a:r>
-              <a:rPr lang="en-US" dirty="0"/>
-              <a:t>32 chicken and </a:t>
-            </a:r>
-            <a:r>
-              <a:rPr lang="en-US"/>
-              <a:t>23 rabbits.</a:t>
-            </a:r>
-            <a:endParaRPr lang="en-US" dirty="0"/>
-          </a:p>
-        </p:txBody>
-      </p:sp>
-    </p:spTree>
-    <p:extLst>
-      <p:ext uri="{BB962C8B-B14F-4D97-AF65-F5344CB8AC3E}">
-        <p14:creationId xmlns:p14="http://schemas.microsoft.com/office/powerpoint/2010/main" val="1547766329"/>
+        <p14:creationId xmlns:p14="http://schemas.microsoft.com/office/powerpoint/2010/main" val="421965956"/>
       </p:ext>
     </p:extLst>
   </p:cSld>
